--- a/static/docs/chapter_2.pptx
+++ b/static/docs/chapter_2.pptx
@@ -181,23 +181,38 @@
 <pc:chgInfo xmlns:a="http://schemas.openxmlformats.org/drawingml/2006/main" xmlns:r="http://schemas.openxmlformats.org/officeDocument/2006/relationships" xmlns:ac="http://schemas.microsoft.com/office/drawing/2013/main/command" xmlns:pc="http://schemas.microsoft.com/office/powerpoint/2013/main/command">
   <pc:docChgLst>
     <pc:chgData name="Lwin Moe" userId="aa63d423-27f4-4437-9471-19c5c3fbd463" providerId="ADAL" clId="{F6206733-625A-4D0B-9E5C-3C7EB185486F}"/>
-    <pc:docChg chg="custSel addSld delSld modSld sldOrd">
-      <pc:chgData name="Lwin Moe" userId="aa63d423-27f4-4437-9471-19c5c3fbd463" providerId="ADAL" clId="{F6206733-625A-4D0B-9E5C-3C7EB185486F}" dt="2024-10-01T13:17:24.908" v="5" actId="27636"/>
+    <pc:docChg chg="undo custSel addSld delSld modSld sldOrd">
+      <pc:chgData name="Lwin Moe" userId="aa63d423-27f4-4437-9471-19c5c3fbd463" providerId="ADAL" clId="{F6206733-625A-4D0B-9E5C-3C7EB185486F}" dt="2024-10-06T13:02:09.101" v="32" actId="2696"/>
       <pc:docMkLst>
         <pc:docMk/>
       </pc:docMkLst>
       <pc:sldChg chg="modSp mod">
-        <pc:chgData name="Lwin Moe" userId="aa63d423-27f4-4437-9471-19c5c3fbd463" providerId="ADAL" clId="{F6206733-625A-4D0B-9E5C-3C7EB185486F}" dt="2024-10-01T13:17:24.908" v="5" actId="27636"/>
+        <pc:chgData name="Lwin Moe" userId="aa63d423-27f4-4437-9471-19c5c3fbd463" providerId="ADAL" clId="{F6206733-625A-4D0B-9E5C-3C7EB185486F}" dt="2024-10-06T13:01:53.148" v="29" actId="5793"/>
         <pc:sldMkLst>
           <pc:docMk/>
           <pc:sldMk cId="3665189752" sldId="325"/>
         </pc:sldMkLst>
         <pc:spChg chg="mod">
-          <ac:chgData name="Lwin Moe" userId="aa63d423-27f4-4437-9471-19c5c3fbd463" providerId="ADAL" clId="{F6206733-625A-4D0B-9E5C-3C7EB185486F}" dt="2024-10-01T13:17:24.908" v="5" actId="27636"/>
+          <ac:chgData name="Lwin Moe" userId="aa63d423-27f4-4437-9471-19c5c3fbd463" providerId="ADAL" clId="{F6206733-625A-4D0B-9E5C-3C7EB185486F}" dt="2024-10-06T13:01:53.148" v="29" actId="5793"/>
           <ac:spMkLst>
             <pc:docMk/>
             <pc:sldMk cId="3665189752" sldId="325"/>
             <ac:spMk id="3" creationId="{B594C02E-2525-6A81-EDAA-5AD3DA0D61E8}"/>
+          </ac:spMkLst>
+        </pc:spChg>
+      </pc:sldChg>
+      <pc:sldChg chg="modSp new add del mod">
+        <pc:chgData name="Lwin Moe" userId="aa63d423-27f4-4437-9471-19c5c3fbd463" providerId="ADAL" clId="{F6206733-625A-4D0B-9E5C-3C7EB185486F}" dt="2024-10-06T13:02:09.101" v="32" actId="2696"/>
+        <pc:sldMkLst>
+          <pc:docMk/>
+          <pc:sldMk cId="2201045714" sldId="751"/>
+        </pc:sldMkLst>
+        <pc:spChg chg="mod">
+          <ac:chgData name="Lwin Moe" userId="aa63d423-27f4-4437-9471-19c5c3fbd463" providerId="ADAL" clId="{F6206733-625A-4D0B-9E5C-3C7EB185486F}" dt="2024-10-06T13:01:48.399" v="26" actId="21"/>
+          <ac:spMkLst>
+            <pc:docMk/>
+            <pc:sldMk cId="2201045714" sldId="751"/>
+            <ac:spMk id="3" creationId="{17EEB4DA-663F-1465-B09D-F3FA2AA19AC9}"/>
           </ac:spMkLst>
         </pc:spChg>
       </pc:sldChg>
@@ -295,7 +310,7 @@
           <a:p>
             <a:fld id="{6F17507C-A503-4796-B9DF-7CCEEDB8D626}" type="datetimeFigureOut">
               <a:rPr lang="en-US" smtClean="0"/>
-              <a:t>10/1/2024</a:t>
+              <a:t>10/6/2024</a:t>
             </a:fld>
             <a:endParaRPr lang="en-US"/>
           </a:p>
@@ -709,7 +724,7 @@
           <a:p>
             <a:fld id="{104D77CD-7919-4E84-B9AF-BFDC6E70C15A}" type="datetime1">
               <a:rPr lang="en-US" smtClean="0"/>
-              <a:t>10/1/2024</a:t>
+              <a:t>10/6/2024</a:t>
             </a:fld>
             <a:endParaRPr lang="en-US"/>
           </a:p>
@@ -907,7 +922,7 @@
           <a:p>
             <a:fld id="{E2A1E911-EC95-4CF1-837F-38C02DBD7D5A}" type="datetime1">
               <a:rPr lang="en-US" smtClean="0"/>
-              <a:t>10/1/2024</a:t>
+              <a:t>10/6/2024</a:t>
             </a:fld>
             <a:endParaRPr lang="en-US"/>
           </a:p>
@@ -1115,7 +1130,7 @@
           <a:p>
             <a:fld id="{D168C677-27FD-411C-85E0-7127D52E38FA}" type="datetime1">
               <a:rPr lang="en-US" smtClean="0"/>
-              <a:t>10/1/2024</a:t>
+              <a:t>10/6/2024</a:t>
             </a:fld>
             <a:endParaRPr lang="en-US"/>
           </a:p>
@@ -1313,7 +1328,7 @@
           <a:p>
             <a:fld id="{27D0272F-7470-4F64-83C5-474F67F49E04}" type="datetime1">
               <a:rPr lang="en-US" smtClean="0"/>
-              <a:t>10/1/2024</a:t>
+              <a:t>10/6/2024</a:t>
             </a:fld>
             <a:endParaRPr lang="en-US"/>
           </a:p>
@@ -1588,7 +1603,7 @@
           <a:p>
             <a:fld id="{15CF9CF8-0CAC-4BE8-A7A2-5F5B7A72168F}" type="datetime1">
               <a:rPr lang="en-US" smtClean="0"/>
-              <a:t>10/1/2024</a:t>
+              <a:t>10/6/2024</a:t>
             </a:fld>
             <a:endParaRPr lang="en-US"/>
           </a:p>
@@ -1853,7 +1868,7 @@
           <a:p>
             <a:fld id="{84A6507D-6F21-4216-908F-148BB4D8DA45}" type="datetime1">
               <a:rPr lang="en-US" smtClean="0"/>
-              <a:t>10/1/2024</a:t>
+              <a:t>10/6/2024</a:t>
             </a:fld>
             <a:endParaRPr lang="en-US"/>
           </a:p>
@@ -2265,7 +2280,7 @@
           <a:p>
             <a:fld id="{F3CE21F9-7827-4D2F-BBEA-B5E01C088137}" type="datetime1">
               <a:rPr lang="en-US" smtClean="0"/>
-              <a:t>10/1/2024</a:t>
+              <a:t>10/6/2024</a:t>
             </a:fld>
             <a:endParaRPr lang="en-US"/>
           </a:p>
@@ -2406,7 +2421,7 @@
           <a:p>
             <a:fld id="{89FDAAA9-D41F-4CB5-9251-3C9A56DD34F4}" type="datetime1">
               <a:rPr lang="en-US" smtClean="0"/>
-              <a:t>10/1/2024</a:t>
+              <a:t>10/6/2024</a:t>
             </a:fld>
             <a:endParaRPr lang="en-US"/>
           </a:p>
@@ -2519,7 +2534,7 @@
           <a:p>
             <a:fld id="{1BBCB6C2-C925-4E13-B265-971C25C96FD4}" type="datetime1">
               <a:rPr lang="en-US" smtClean="0"/>
-              <a:t>10/1/2024</a:t>
+              <a:t>10/6/2024</a:t>
             </a:fld>
             <a:endParaRPr lang="en-US"/>
           </a:p>
@@ -2830,7 +2845,7 @@
           <a:p>
             <a:fld id="{B8DFDEF3-E787-4928-8E2A-4D818ED87F0E}" type="datetime1">
               <a:rPr lang="en-US" smtClean="0"/>
-              <a:t>10/1/2024</a:t>
+              <a:t>10/6/2024</a:t>
             </a:fld>
             <a:endParaRPr lang="en-US"/>
           </a:p>
@@ -3118,7 +3133,7 @@
           <a:p>
             <a:fld id="{C1AF5581-BE26-4289-8CB6-7C61F3B07B0F}" type="datetime1">
               <a:rPr lang="en-US" smtClean="0"/>
-              <a:t>10/1/2024</a:t>
+              <a:t>10/6/2024</a:t>
             </a:fld>
             <a:endParaRPr lang="en-US"/>
           </a:p>
@@ -3359,7 +3374,7 @@
           <a:p>
             <a:fld id="{6B85D76E-3887-4F61-A1A0-17880ECE475A}" type="datetime1">
               <a:rPr lang="en-US" smtClean="0"/>
-              <a:t>10/1/2024</a:t>
+              <a:t>10/6/2024</a:t>
             </a:fld>
             <a:endParaRPr lang="en-US"/>
           </a:p>
@@ -8269,58 +8284,17 @@
               <a:lstStyle/>
               <a:p>
                 <a:r>
-                  <a:rPr lang="en-US" b="0" i="0" dirty="0">
-                    <a:solidFill>
-                      <a:srgbClr val="37474F"/>
-                    </a:solidFill>
-                    <a:effectLst/>
-                    <a:latin typeface="Roboto" panose="02000000000000000000" pitchFamily="2" charset="0"/>
-                  </a:rPr>
+                  <a:rPr lang="en-US" dirty="0"/>
                   <a:t>Some machine learning models make predictions based on a mathematical representation of the relationship between input and output features. </a:t>
                 </a:r>
               </a:p>
               <a:p>
-                <a:endParaRPr lang="en-US" dirty="0">
-                  <a:solidFill>
-                    <a:srgbClr val="37474F"/>
-                  </a:solidFill>
-                  <a:latin typeface="Roboto" panose="02000000000000000000" pitchFamily="2" charset="0"/>
-                </a:endParaRPr>
+                <a:endParaRPr lang="en-US" dirty="0"/>
               </a:p>
               <a:p>
                 <a:r>
-                  <a:rPr lang="en-US" b="0" i="0" dirty="0">
-                    <a:solidFill>
-                      <a:srgbClr val="37474F"/>
-                    </a:solidFill>
-                    <a:effectLst/>
-                    <a:latin typeface="Roboto" panose="02000000000000000000" pitchFamily="2" charset="0"/>
-                  </a:rPr>
-                  <a:t>Ex: Simple linear regression predicts an output feature </a:t>
-                </a:r>
-                <a14:m>
-                  <m:oMath xmlns:m="http://schemas.openxmlformats.org/officeDocument/2006/math">
-                    <m:r>
-                      <a:rPr lang="en-US" b="0" i="1" smtClean="0">
-                        <a:solidFill>
-                          <a:srgbClr val="37474F"/>
-                        </a:solidFill>
-                        <a:effectLst/>
-                        <a:latin typeface="Cambria Math" panose="02040503050406030204" pitchFamily="18" charset="0"/>
-                      </a:rPr>
-                      <m:t>𝑦</m:t>
-                    </m:r>
-                  </m:oMath>
-                </a14:m>
-                <a:r>
-                  <a:rPr lang="en-US" b="0" i="0" dirty="0">
-                    <a:solidFill>
-                      <a:srgbClr val="37474F"/>
-                    </a:solidFill>
-                    <a:effectLst/>
-                    <a:latin typeface="Roboto" panose="02000000000000000000" pitchFamily="2" charset="0"/>
-                  </a:rPr>
-                  <a:t> as a linear function of a single input feature, </a:t>
+                  <a:rPr lang="en-US" dirty="0"/>
+                  <a:t>Ex: Simple linear regression predicts an output feature 𝑦 as a linear function of a single input feature, </a:t>
                 </a:r>
                 <a14:m>
                   <m:oMath xmlns:m="http://schemas.openxmlformats.org/officeDocument/2006/math">
@@ -8440,34 +8414,21 @@
                     </m:r>
                   </m:oMath>
                 </a14:m>
-                <a:endParaRPr lang="en-US" b="0" i="0" dirty="0">
-                  <a:solidFill>
-                    <a:srgbClr val="37474F"/>
-                  </a:solidFill>
-                  <a:effectLst/>
-                  <a:latin typeface="Roboto" panose="02000000000000000000" pitchFamily="2" charset="0"/>
-                </a:endParaRPr>
+                <a:endParaRPr lang="en-US" dirty="0"/>
               </a:p>
               <a:p>
-                <a:endParaRPr lang="en-US" b="0" i="0" dirty="0">
-                  <a:solidFill>
-                    <a:srgbClr val="37474F"/>
-                  </a:solidFill>
-                  <a:effectLst/>
-                  <a:latin typeface="Roboto" panose="02000000000000000000" pitchFamily="2" charset="0"/>
-                </a:endParaRPr>
+                <a:pPr marL="0" indent="0">
+                  <a:buNone/>
+                </a:pPr>
+                <a:endParaRPr lang="en-US" dirty="0"/>
               </a:p>
               <a:p>
                 <a:r>
-                  <a:rPr lang="en-US" b="0" i="0" dirty="0">
-                    <a:solidFill>
-                      <a:srgbClr val="37474F"/>
-                    </a:solidFill>
-                    <a:effectLst/>
-                    <a:latin typeface="Roboto" panose="02000000000000000000" pitchFamily="2" charset="0"/>
-                  </a:rPr>
+                  <a:rPr lang="en-US" dirty="0"/>
                   <a:t>Mathematical models can be used to describe or interpret the relationship between input and output features. But not all models are suitable for all situations.</a:t>
                 </a:r>
+              </a:p>
+              <a:p>
                 <a:endParaRPr lang="en-US" dirty="0"/>
               </a:p>
             </p:txBody>
@@ -8494,7 +8455,7 @@
               <a:blipFill>
                 <a:blip r:embed="rId2"/>
                 <a:stretch>
-                  <a:fillRect l="-1043" t="-3221"/>
+                  <a:fillRect l="-1043" t="-3081"/>
                 </a:stretch>
               </a:blipFill>
             </p:spPr>
